--- a/Lampu Tenaga Surya/presentasi.pptx
+++ b/Lampu Tenaga Surya/presentasi.pptx
@@ -113,6 +113,11 @@
       </a:defRPr>
     </a:lvl9pPr>
   </p:defaultTextStyle>
+  <p:extLst>
+    <p:ext uri="{EFAFB233-063F-42B5-8137-9DF3F51BA10A}">
+      <p15:sldGuideLst xmlns:p15="http://schemas.microsoft.com/office/powerpoint/2012/main"/>
+    </p:ext>
+  </p:extLst>
 </p:presentation>
 </file>
 
@@ -693,7 +698,7 @@
           <a:p>
             <a:fld id="{36420F73-8A0F-45CB-AC7A-75479CF934FA}" type="datetimeFigureOut">
               <a:rPr lang="en-US" smtClean="0"/>
-              <a:t>7/11/2021</a:t>
+              <a:t>7/12/2021</a:t>
             </a:fld>
             <a:endParaRPr lang="en-US"/>
           </a:p>
@@ -863,7 +868,7 @@
           <a:p>
             <a:fld id="{36420F73-8A0F-45CB-AC7A-75479CF934FA}" type="datetimeFigureOut">
               <a:rPr lang="en-US" smtClean="0"/>
-              <a:t>7/11/2021</a:t>
+              <a:t>7/12/2021</a:t>
             </a:fld>
             <a:endParaRPr lang="en-US"/>
           </a:p>
@@ -1043,7 +1048,7 @@
           <a:p>
             <a:fld id="{36420F73-8A0F-45CB-AC7A-75479CF934FA}" type="datetimeFigureOut">
               <a:rPr lang="en-US" smtClean="0"/>
-              <a:t>7/11/2021</a:t>
+              <a:t>7/12/2021</a:t>
             </a:fld>
             <a:endParaRPr lang="en-US"/>
           </a:p>
@@ -1213,7 +1218,7 @@
           <a:p>
             <a:fld id="{36420F73-8A0F-45CB-AC7A-75479CF934FA}" type="datetimeFigureOut">
               <a:rPr lang="en-US" smtClean="0"/>
-              <a:t>7/11/2021</a:t>
+              <a:t>7/12/2021</a:t>
             </a:fld>
             <a:endParaRPr lang="en-US"/>
           </a:p>
@@ -1459,7 +1464,7 @@
           <a:p>
             <a:fld id="{36420F73-8A0F-45CB-AC7A-75479CF934FA}" type="datetimeFigureOut">
               <a:rPr lang="en-US" smtClean="0"/>
-              <a:t>7/11/2021</a:t>
+              <a:t>7/12/2021</a:t>
             </a:fld>
             <a:endParaRPr lang="en-US"/>
           </a:p>
@@ -1691,7 +1696,7 @@
           <a:p>
             <a:fld id="{36420F73-8A0F-45CB-AC7A-75479CF934FA}" type="datetimeFigureOut">
               <a:rPr lang="en-US" smtClean="0"/>
-              <a:t>7/11/2021</a:t>
+              <a:t>7/12/2021</a:t>
             </a:fld>
             <a:endParaRPr lang="en-US"/>
           </a:p>
@@ -2058,7 +2063,7 @@
           <a:p>
             <a:fld id="{36420F73-8A0F-45CB-AC7A-75479CF934FA}" type="datetimeFigureOut">
               <a:rPr lang="en-US" smtClean="0"/>
-              <a:t>7/11/2021</a:t>
+              <a:t>7/12/2021</a:t>
             </a:fld>
             <a:endParaRPr lang="en-US"/>
           </a:p>
@@ -2176,7 +2181,7 @@
           <a:p>
             <a:fld id="{36420F73-8A0F-45CB-AC7A-75479CF934FA}" type="datetimeFigureOut">
               <a:rPr lang="en-US" smtClean="0"/>
-              <a:t>7/11/2021</a:t>
+              <a:t>7/12/2021</a:t>
             </a:fld>
             <a:endParaRPr lang="en-US"/>
           </a:p>
@@ -2271,7 +2276,7 @@
           <a:p>
             <a:fld id="{36420F73-8A0F-45CB-AC7A-75479CF934FA}" type="datetimeFigureOut">
               <a:rPr lang="en-US" smtClean="0"/>
-              <a:t>7/11/2021</a:t>
+              <a:t>7/12/2021</a:t>
             </a:fld>
             <a:endParaRPr lang="en-US"/>
           </a:p>
@@ -2548,7 +2553,7 @@
           <a:p>
             <a:fld id="{36420F73-8A0F-45CB-AC7A-75479CF934FA}" type="datetimeFigureOut">
               <a:rPr lang="en-US" smtClean="0"/>
-              <a:t>7/11/2021</a:t>
+              <a:t>7/12/2021</a:t>
             </a:fld>
             <a:endParaRPr lang="en-US"/>
           </a:p>
@@ -2801,7 +2806,7 @@
           <a:p>
             <a:fld id="{36420F73-8A0F-45CB-AC7A-75479CF934FA}" type="datetimeFigureOut">
               <a:rPr lang="en-US" smtClean="0"/>
-              <a:t>7/11/2021</a:t>
+              <a:t>7/12/2021</a:t>
             </a:fld>
             <a:endParaRPr lang="en-US"/>
           </a:p>
@@ -3014,7 +3019,7 @@
           <a:p>
             <a:fld id="{36420F73-8A0F-45CB-AC7A-75479CF934FA}" type="datetimeFigureOut">
               <a:rPr lang="en-US" smtClean="0"/>
-              <a:t>7/11/2021</a:t>
+              <a:t>7/12/2021</a:t>
             </a:fld>
             <a:endParaRPr lang="en-US"/>
           </a:p>
@@ -3467,6 +3472,13 @@
   <p:clrMapOvr>
     <a:masterClrMapping/>
   </p:clrMapOvr>
+  <p:timing>
+    <p:tnLst>
+      <p:par>
+        <p:cTn id="1" dur="indefinite" restart="never" nodeType="tmRoot"/>
+      </p:par>
+    </p:tnLst>
+  </p:timing>
 </p:sld>
 </file>
 
@@ -3587,6 +3599,13 @@
   <p:clrMapOvr>
     <a:masterClrMapping/>
   </p:clrMapOvr>
+  <p:timing>
+    <p:tnLst>
+      <p:par>
+        <p:cTn id="1" dur="indefinite" restart="never" nodeType="tmRoot"/>
+      </p:par>
+    </p:tnLst>
+  </p:timing>
 </p:sld>
 </file>
 
@@ -3791,6 +3810,13 @@
   <p:clrMapOvr>
     <a:masterClrMapping/>
   </p:clrMapOvr>
+  <p:timing>
+    <p:tnLst>
+      <p:par>
+        <p:cTn id="1" dur="indefinite" restart="never" nodeType="tmRoot"/>
+      </p:par>
+    </p:tnLst>
+  </p:timing>
 </p:sld>
 </file>
 
@@ -3961,6 +3987,13 @@
   <p:clrMapOvr>
     <a:masterClrMapping/>
   </p:clrMapOvr>
+  <p:timing>
+    <p:tnLst>
+      <p:par>
+        <p:cTn id="1" dur="indefinite" restart="never" nodeType="tmRoot"/>
+      </p:par>
+    </p:tnLst>
+  </p:timing>
 </p:sld>
 </file>
 
@@ -4151,6 +4184,13 @@
   <p:clrMapOvr>
     <a:masterClrMapping/>
   </p:clrMapOvr>
+  <p:timing>
+    <p:tnLst>
+      <p:par>
+        <p:cTn id="1" dur="indefinite" restart="never" nodeType="tmRoot"/>
+      </p:par>
+    </p:tnLst>
+  </p:timing>
 </p:sld>
 </file>
 
@@ -4183,14 +4223,16 @@
         </p:nvSpPr>
         <p:spPr/>
         <p:txBody>
-          <a:bodyPr/>
-          <a:lstStyle/>
-          <a:p>
-            <a:r>
-              <a:rPr lang="en-US" dirty="0" smtClean="0"/>
+          <a:bodyPr>
+            <a:normAutofit/>
+          </a:bodyPr>
+          <a:lstStyle/>
+          <a:p>
+            <a:r>
+              <a:rPr lang="en-US" sz="4400" dirty="0" smtClean="0"/>
               <a:t>Transistor</a:t>
             </a:r>
-            <a:endParaRPr lang="en-US" dirty="0"/>
+            <a:endParaRPr lang="en-US" sz="4400" dirty="0"/>
           </a:p>
         </p:txBody>
       </p:sp>
@@ -4204,12 +4246,59 @@
             <p:ph type="body" sz="half" idx="2"/>
           </p:nvPr>
         </p:nvSpPr>
-        <p:spPr/>
-        <p:txBody>
-          <a:bodyPr/>
-          <a:lstStyle/>
-          <a:p>
-            <a:endParaRPr lang="en-US"/>
+        <p:spPr>
+          <a:xfrm>
+            <a:off x="839788" y="2057400"/>
+            <a:ext cx="4210677" cy="3811588"/>
+          </a:xfrm>
+        </p:spPr>
+        <p:txBody>
+          <a:bodyPr>
+            <a:normAutofit/>
+          </a:bodyPr>
+          <a:lstStyle/>
+          <a:p>
+            <a:r>
+              <a:rPr lang="en-US" sz="3200" dirty="0" err="1" smtClean="0"/>
+              <a:t>Berfungsi</a:t>
+            </a:r>
+            <a:r>
+              <a:rPr lang="en-US" sz="3200" dirty="0" smtClean="0"/>
+              <a:t> </a:t>
+            </a:r>
+            <a:r>
+              <a:rPr lang="en-US" sz="3200" dirty="0" err="1" smtClean="0"/>
+              <a:t>sebagai</a:t>
+            </a:r>
+            <a:r>
+              <a:rPr lang="en-US" sz="3200" dirty="0" smtClean="0"/>
+              <a:t> </a:t>
+            </a:r>
+            <a:r>
+              <a:rPr lang="en-US" sz="3200" dirty="0" err="1" smtClean="0"/>
+              <a:t>sakelar</a:t>
+            </a:r>
+            <a:r>
+              <a:rPr lang="en-US" sz="3200" dirty="0" smtClean="0"/>
+              <a:t> </a:t>
+            </a:r>
+            <a:r>
+              <a:rPr lang="en-US" sz="3200" dirty="0" err="1" smtClean="0"/>
+              <a:t>lampu</a:t>
+            </a:r>
+            <a:r>
+              <a:rPr lang="en-US" sz="3200" dirty="0" smtClean="0"/>
+              <a:t> </a:t>
+            </a:r>
+            <a:r>
+              <a:rPr lang="en-US" sz="3200" dirty="0" err="1" smtClean="0"/>
+              <a:t>otomatis</a:t>
+            </a:r>
+            <a:r>
+              <a:rPr lang="en-US" sz="3200" dirty="0" smtClean="0"/>
+              <a:t>.</a:t>
+            </a:r>
+            <a:endParaRPr lang="en-US" sz="3200" dirty="0"/>
           </a:p>
         </p:txBody>
       </p:sp>
@@ -4253,13 +4342,51 @@
           </p:nvPr>
         </p:nvPicPr>
         <p:blipFill rotWithShape="1">
-          <a:blip r:embed="rId3"/>
+          <a:blip r:embed="rId3">
+            <a:extLst>
+              <a:ext uri="{BEBA8EAE-BF5A-486C-A8C5-ECC9F3942E4B}">
+                <a14:imgProps xmlns:a14="http://schemas.microsoft.com/office/drawing/2010/main">
+                  <a14:imgLayer r:embed="rId4">
+                    <a14:imgEffect>
+                      <a14:backgroundRemoval t="2073" b="100000" l="334" r="100000">
+                        <a14:foregroundMark x1="61873" y1="37651" x2="61873" y2="37651"/>
+                        <a14:foregroundMark x1="62375" y1="41623" x2="62375" y2="41623"/>
+                        <a14:foregroundMark x1="62375" y1="41623" x2="61873" y2="32124"/>
+                        <a14:foregroundMark x1="55686" y1="31952" x2="69398" y2="43351"/>
+                        <a14:foregroundMark x1="57692" y1="38169" x2="66555" y2="52677"/>
+                        <a14:foregroundMark x1="62375" y1="28497" x2="72742" y2="39724"/>
+                        <a14:foregroundMark x1="72241" y1="33333" x2="96990" y2="37651"/>
+                        <a14:foregroundMark x1="67391" y1="49396" x2="97826" y2="54059"/>
+                        <a14:foregroundMark x1="72408" y1="43696" x2="83612" y2="50950"/>
+                        <a14:foregroundMark x1="71070" y1="70812" x2="72408" y2="77029"/>
+                        <a14:foregroundMark x1="72241" y1="78756" x2="87124" y2="78584"/>
+                        <a14:foregroundMark x1="87458" y1="78584" x2="99666" y2="67530"/>
+                        <a14:foregroundMark x1="79599" y1="78756" x2="79933" y2="99827"/>
+                        <a14:foregroundMark x1="74080" y1="80311" x2="334" y2="83938"/>
+                        <a14:foregroundMark x1="73077" y1="72539" x2="66555" y2="58722"/>
+                        <a14:foregroundMark x1="67391" y1="57513" x2="33779" y2="14162"/>
+                        <a14:foregroundMark x1="80268" y1="18653" x2="38127" y2="44905"/>
+                        <a14:foregroundMark x1="22910" y1="19862" x2="63211" y2="76511"/>
+                        <a14:foregroundMark x1="84114" y1="37306" x2="31438" y2="68221"/>
+                        <a14:backgroundMark x1="89465" y1="88946" x2="87124" y2="98446"/>
+                        <a14:backgroundMark x1="86957" y1="87392" x2="89465" y2="99309"/>
+                        <a14:backgroundMark x1="87124" y1="86010" x2="97826" y2="86010"/>
+                        <a14:backgroundMark x1="81940" y1="84801" x2="82776" y2="99827"/>
+                        <a14:backgroundMark x1="80268" y1="82902" x2="80268" y2="99827"/>
+                        <a14:backgroundMark x1="80268" y1="82902" x2="99833" y2="77720"/>
+                      </a14:backgroundRemoval>
+                    </a14:imgEffect>
+                  </a14:imgLayer>
+                </a14:imgProps>
+              </a:ext>
+            </a:extLst>
+          </a:blip>
           <a:srcRect l="5592" t="4081" r="3611" b="1964"/>
           <a:stretch/>
         </p:blipFill>
         <p:spPr>
           <a:xfrm>
-            <a:off x="4931513" y="1265475"/>
+            <a:off x="5678891" y="1257300"/>
             <a:ext cx="3466214" cy="3472778"/>
           </a:xfrm>
           <a:prstGeom prst="rect">
@@ -4277,6 +4404,13 @@
   <p:clrMapOvr>
     <a:masterClrMapping/>
   </p:clrMapOvr>
+  <p:timing>
+    <p:tnLst>
+      <p:par>
+        <p:cTn id="1" dur="indefinite" restart="never" nodeType="tmRoot"/>
+      </p:par>
+    </p:tnLst>
+  </p:timing>
 </p:sld>
 </file>
 
@@ -4309,18 +4443,20 @@
         </p:nvSpPr>
         <p:spPr/>
         <p:txBody>
-          <a:bodyPr/>
-          <a:lstStyle/>
-          <a:p>
-            <a:r>
-              <a:rPr lang="en-US" dirty="0" err="1" smtClean="0"/>
+          <a:bodyPr>
+            <a:normAutofit/>
+          </a:bodyPr>
+          <a:lstStyle/>
+          <a:p>
+            <a:r>
+              <a:rPr lang="en-US" sz="4400" dirty="0" err="1" smtClean="0"/>
               <a:t>Lampu</a:t>
             </a:r>
             <a:r>
-              <a:rPr lang="en-US" dirty="0" smtClean="0"/>
+              <a:rPr lang="en-US" sz="4400" dirty="0" smtClean="0"/>
               <a:t> LED</a:t>
             </a:r>
-            <a:endParaRPr lang="en-US" dirty="0"/>
+            <a:endParaRPr lang="en-US" sz="4400" dirty="0"/>
           </a:p>
         </p:txBody>
       </p:sp>
@@ -4336,10 +4472,100 @@
         </p:nvSpPr>
         <p:spPr/>
         <p:txBody>
-          <a:bodyPr/>
-          <a:lstStyle/>
-          <a:p>
-            <a:endParaRPr lang="en-US" dirty="0"/>
+          <a:bodyPr>
+            <a:normAutofit/>
+          </a:bodyPr>
+          <a:lstStyle/>
+          <a:p>
+            <a:r>
+              <a:rPr lang="en-US" sz="3200" dirty="0" err="1" smtClean="0"/>
+              <a:t>Lampu</a:t>
+            </a:r>
+            <a:r>
+              <a:rPr lang="en-US" sz="3200" dirty="0" smtClean="0"/>
+              <a:t> </a:t>
+            </a:r>
+            <a:r>
+              <a:rPr lang="en-US" sz="3200" dirty="0" err="1" smtClean="0"/>
+              <a:t>jenis</a:t>
+            </a:r>
+            <a:r>
+              <a:rPr lang="en-US" sz="3200" dirty="0" smtClean="0"/>
+              <a:t> </a:t>
+            </a:r>
+            <a:r>
+              <a:rPr lang="en-US" sz="3200" dirty="0" err="1" smtClean="0"/>
+              <a:t>ini</a:t>
+            </a:r>
+            <a:r>
+              <a:rPr lang="en-US" sz="3200" dirty="0" smtClean="0"/>
+              <a:t> </a:t>
+            </a:r>
+            <a:r>
+              <a:rPr lang="en-US" sz="3200" dirty="0" err="1" smtClean="0"/>
+              <a:t>dapat</a:t>
+            </a:r>
+            <a:r>
+              <a:rPr lang="en-US" sz="3200" dirty="0" smtClean="0"/>
+              <a:t> </a:t>
+            </a:r>
+            <a:r>
+              <a:rPr lang="en-US" sz="3200" dirty="0" err="1" smtClean="0"/>
+              <a:t>menyala</a:t>
+            </a:r>
+            <a:r>
+              <a:rPr lang="en-US" sz="3200" dirty="0" smtClean="0"/>
+              <a:t> </a:t>
+            </a:r>
+            <a:r>
+              <a:rPr lang="en-US" sz="3200" dirty="0" err="1" smtClean="0"/>
+              <a:t>sangat</a:t>
+            </a:r>
+            <a:r>
+              <a:rPr lang="en-US" sz="3200" dirty="0" smtClean="0"/>
+              <a:t> </a:t>
+            </a:r>
+            <a:r>
+              <a:rPr lang="en-US" sz="3200" dirty="0" err="1" smtClean="0"/>
+              <a:t>terang</a:t>
+            </a:r>
+            <a:r>
+              <a:rPr lang="en-US" sz="3200" dirty="0" smtClean="0"/>
+              <a:t> </a:t>
+            </a:r>
+            <a:r>
+              <a:rPr lang="en-US" sz="3200" dirty="0" err="1" smtClean="0"/>
+              <a:t>dengan</a:t>
+            </a:r>
+            <a:r>
+              <a:rPr lang="en-US" sz="3200" dirty="0" smtClean="0"/>
+              <a:t> </a:t>
+            </a:r>
+            <a:r>
+              <a:rPr lang="en-US" sz="3200" dirty="0" err="1" smtClean="0"/>
+              <a:t>konsumsi</a:t>
+            </a:r>
+            <a:r>
+              <a:rPr lang="en-US" sz="3200" dirty="0" smtClean="0"/>
+              <a:t> </a:t>
+            </a:r>
+            <a:r>
+              <a:rPr lang="en-US" sz="3200" dirty="0" err="1" smtClean="0"/>
+              <a:t>daya</a:t>
+            </a:r>
+            <a:r>
+              <a:rPr lang="en-US" sz="3200" dirty="0" smtClean="0"/>
+              <a:t> yang </a:t>
+            </a:r>
+            <a:r>
+              <a:rPr lang="en-US" sz="3200" dirty="0" err="1" smtClean="0"/>
+              <a:t>rendah</a:t>
+            </a:r>
+            <a:r>
+              <a:rPr lang="en-US" sz="3200" dirty="0" smtClean="0"/>
+              <a:t>.</a:t>
+            </a:r>
+            <a:endParaRPr lang="en-US" sz="3200" dirty="0"/>
           </a:p>
         </p:txBody>
       </p:sp>
@@ -4396,6 +4622,13 @@
   <p:clrMapOvr>
     <a:masterClrMapping/>
   </p:clrMapOvr>
+  <p:timing>
+    <p:tnLst>
+      <p:par>
+        <p:cTn id="1" dur="indefinite" restart="never" nodeType="tmRoot"/>
+      </p:par>
+    </p:tnLst>
+  </p:timing>
 </p:sld>
 </file>
 
